--- a/DsDotNet/src/UnitTest/UnitTest.Engine/ImportPPT/S.pptx
+++ b/DsDotNet/src/UnitTest/UnitTest.Engine/ImportPPT/S.pptx
@@ -17796,7 +17796,7 @@
                 <a:pPr algn="ctr"/>
                 <a:r>
                   <a:rPr lang="en-US" altLang="ko-KR" dirty="0"/>
-                  <a:t>SystemA $Func1</a:t>
+                  <a:t>Pin $+</a:t>
                 </a:r>
                 <a:endParaRPr lang="ko-KR" altLang="en-US" dirty="0"/>
               </a:p>
@@ -17851,8 +17851,8 @@
               <a:p>
                 <a:pPr algn="ctr"/>
                 <a:r>
-                  <a:rPr lang="en-US" altLang="ko-KR" dirty="0"/>
-                  <a:t>SystemA $Func2</a:t>
+                  <a:rPr lang="en-US" altLang="ko-KR"/>
+                  <a:t>Pin $-</a:t>
                 </a:r>
                 <a:endParaRPr lang="ko-KR" altLang="en-US" dirty="0"/>
               </a:p>
@@ -18014,14 +18014,14 @@
             <a:pPr algn="ctr"/>
             <a:r>
               <a:rPr lang="en-US" altLang="ko-KR" dirty="0"/>
-              <a:t>Lib/test </a:t>
+              <a:t>Lib/Pin </a:t>
             </a:r>
           </a:p>
           <a:p>
             <a:pPr algn="ctr"/>
             <a:r>
               <a:rPr lang="en-US" altLang="ko-KR" dirty="0"/>
-              <a:t>[SystemA]</a:t>
+              <a:t>[Pin]</a:t>
             </a:r>
             <a:endParaRPr lang="ko-KR" altLang="en-US" dirty="0"/>
           </a:p>

--- a/DsDotNet/src/UnitTest/UnitTest.Engine/ImportPPT/S.pptx
+++ b/DsDotNet/src/UnitTest/UnitTest.Engine/ImportPPT/S.pptx
@@ -226,7 +226,7 @@
           <a:p>
             <a:fld id="{DD503887-5801-43A0-AEF9-041E8DDC2558}" type="datetimeFigureOut">
               <a:rPr lang="ko-KR" altLang="en-US" smtClean="0"/>
-              <a:t>2022-12-13</a:t>
+              <a:t>2022-12-14</a:t>
             </a:fld>
             <a:endParaRPr lang="ko-KR" altLang="en-US" dirty="0"/>
           </a:p>
@@ -403,7 +403,7 @@
           <a:p>
             <a:fld id="{95336A0E-57B1-4D4C-BD9B-2F72B5943464}" type="datetimeFigureOut">
               <a:rPr lang="ko-KR" altLang="en-US" smtClean="0"/>
-              <a:t>2022-12-13</a:t>
+              <a:t>2022-12-14</a:t>
             </a:fld>
             <a:endParaRPr lang="ko-KR" altLang="en-US" dirty="0"/>
           </a:p>
@@ -901,7 +901,7 @@
           <a:p>
             <a:fld id="{229D12C7-0FF5-4972-A033-474EFFC79F40}" type="datetime1">
               <a:rPr lang="ko-KR" altLang="en-US" smtClean="0"/>
-              <a:t>2022-12-13</a:t>
+              <a:t>2022-12-14</a:t>
             </a:fld>
             <a:endParaRPr lang="ko-KR" altLang="en-US" dirty="0"/>
           </a:p>
@@ -1099,7 +1099,7 @@
           <a:p>
             <a:fld id="{5BA19FD4-B052-4F56-8FD8-EAFD078DEFB0}" type="datetime1">
               <a:rPr lang="ko-KR" altLang="en-US" smtClean="0"/>
-              <a:t>2022-12-13</a:t>
+              <a:t>2022-12-14</a:t>
             </a:fld>
             <a:endParaRPr lang="ko-KR" altLang="en-US" dirty="0"/>
           </a:p>
@@ -1307,7 +1307,7 @@
           <a:p>
             <a:fld id="{024994B9-23A6-4B0A-A038-AC140E83DAA3}" type="datetime1">
               <a:rPr lang="ko-KR" altLang="en-US" smtClean="0"/>
-              <a:t>2022-12-13</a:t>
+              <a:t>2022-12-14</a:t>
             </a:fld>
             <a:endParaRPr lang="ko-KR" altLang="en-US" dirty="0"/>
           </a:p>
@@ -1449,7 +1449,7 @@
           <a:p>
             <a:fld id="{B5B1BBC2-B738-4C35-AEE5-660EB2DEB482}" type="datetime1">
               <a:rPr lang="ko-KR" altLang="en-US" smtClean="0"/>
-              <a:t>2022-12-13</a:t>
+              <a:t>2022-12-14</a:t>
             </a:fld>
             <a:endParaRPr lang="ko-KR" altLang="en-US" dirty="0"/>
           </a:p>
@@ -6116,7 +6116,7 @@
           <a:p>
             <a:fld id="{70D0DAB2-87CB-4028-B965-3AA710ADF2CB}" type="datetime1">
               <a:rPr lang="ko-KR" altLang="en-US" smtClean="0"/>
-              <a:t>2022-12-13</a:t>
+              <a:t>2022-12-14</a:t>
             </a:fld>
             <a:endParaRPr lang="ko-KR" altLang="en-US" dirty="0"/>
           </a:p>
@@ -6391,7 +6391,7 @@
           <a:p>
             <a:fld id="{63FA3D71-FEA8-477F-9D1E-EA860F411BC7}" type="datetime1">
               <a:rPr lang="ko-KR" altLang="en-US" smtClean="0"/>
-              <a:t>2022-12-13</a:t>
+              <a:t>2022-12-14</a:t>
             </a:fld>
             <a:endParaRPr lang="ko-KR" altLang="en-US" dirty="0"/>
           </a:p>
@@ -6656,7 +6656,7 @@
           <a:p>
             <a:fld id="{F58E3EF4-7980-4C97-BA64-EC66995BB574}" type="datetime1">
               <a:rPr lang="ko-KR" altLang="en-US" smtClean="0"/>
-              <a:t>2022-12-13</a:t>
+              <a:t>2022-12-14</a:t>
             </a:fld>
             <a:endParaRPr lang="ko-KR" altLang="en-US" dirty="0"/>
           </a:p>
@@ -7068,7 +7068,7 @@
           <a:p>
             <a:fld id="{FC9BC1D0-7D6B-4634-9D19-644040D74EAE}" type="datetime1">
               <a:rPr lang="ko-KR" altLang="en-US" smtClean="0"/>
-              <a:t>2022-12-13</a:t>
+              <a:t>2022-12-14</a:t>
             </a:fld>
             <a:endParaRPr lang="ko-KR" altLang="en-US" dirty="0"/>
           </a:p>
@@ -7209,7 +7209,7 @@
           <a:p>
             <a:fld id="{B5B1BBC2-B738-4C35-AEE5-660EB2DEB482}" type="datetime1">
               <a:rPr lang="ko-KR" altLang="en-US" smtClean="0"/>
-              <a:t>2022-12-13</a:t>
+              <a:t>2022-12-14</a:t>
             </a:fld>
             <a:endParaRPr lang="ko-KR" altLang="en-US" dirty="0"/>
           </a:p>
@@ -11791,7 +11791,7 @@
           <a:p>
             <a:fld id="{C60E9F93-7E77-4F36-B88C-A425F00C8D91}" type="datetime1">
               <a:rPr lang="ko-KR" altLang="en-US" smtClean="0"/>
-              <a:t>2022-12-13</a:t>
+              <a:t>2022-12-14</a:t>
             </a:fld>
             <a:endParaRPr lang="ko-KR" altLang="en-US" dirty="0"/>
           </a:p>
@@ -12102,7 +12102,7 @@
           <a:p>
             <a:fld id="{36BCCD0E-2A54-4016-BFFC-FEAABCDA6915}" type="datetime1">
               <a:rPr lang="ko-KR" altLang="en-US" smtClean="0"/>
-              <a:t>2022-12-13</a:t>
+              <a:t>2022-12-14</a:t>
             </a:fld>
             <a:endParaRPr lang="ko-KR" altLang="en-US" dirty="0"/>
           </a:p>
@@ -12390,7 +12390,7 @@
           <a:p>
             <a:fld id="{C984B0C4-64BA-4E4C-B5E6-A51EE3F6ED95}" type="datetime1">
               <a:rPr lang="ko-KR" altLang="en-US" smtClean="0"/>
-              <a:t>2022-12-13</a:t>
+              <a:t>2022-12-14</a:t>
             </a:fld>
             <a:endParaRPr lang="ko-KR" altLang="en-US" dirty="0"/>
           </a:p>
@@ -12632,7 +12632,7 @@
           <a:p>
             <a:fld id="{C984B0C4-64BA-4E4C-B5E6-A51EE3F6ED95}" type="datetime1">
               <a:rPr lang="ko-KR" altLang="en-US" smtClean="0"/>
-              <a:t>2022-12-13</a:t>
+              <a:t>2022-12-14</a:t>
             </a:fld>
             <a:endParaRPr lang="ko-KR" altLang="en-US" dirty="0"/>
           </a:p>
@@ -17531,7 +17531,7 @@
           <a:p>
             <a:r>
               <a:rPr lang="en-US" altLang="ko-KR" dirty="0"/>
-              <a:t>S1</a:t>
+              <a:t>T1</a:t>
             </a:r>
             <a:endParaRPr lang="ko-KR" altLang="en-US" dirty="0"/>
           </a:p>
@@ -17586,8 +17586,8 @@
           <a:p>
             <a:pPr algn="ctr"/>
             <a:r>
-              <a:rPr lang="en-US" altLang="ko-KR" sz="1200" dirty="0"/>
-              <a:t>R2</a:t>
+              <a:rPr lang="en-US" altLang="ko-KR" sz="1200" dirty="0" err="1"/>
+              <a:t>W2</a:t>
             </a:r>
             <a:endParaRPr lang="ko-KR" altLang="en-US" sz="1200" dirty="0"/>
           </a:p>
@@ -17711,12 +17711,12 @@
             <a:p>
               <a:pPr algn="ctr"/>
               <a:r>
-                <a:rPr lang="en-US" altLang="ko-KR" sz="2800" dirty="0">
+                <a:rPr lang="en-US" altLang="ko-KR" sz="2800" dirty="0" err="1">
                   <a:solidFill>
                     <a:schemeClr val="tx1"/>
                   </a:solidFill>
                 </a:rPr>
-                <a:t>R1</a:t>
+                <a:t>W1</a:t>
               </a:r>
               <a:endParaRPr lang="ko-KR" altLang="en-US" sz="1200" dirty="0">
                 <a:solidFill>
